--- a/Week4_Flask/Model_deployment_with_Flask.pptx
+++ b/Week4_Flask/Model_deployment_with_Flask.pptx
@@ -4798,6 +4798,42 @@
           </a:p>
         </p:txBody>
       </p:sp>
+      <p:pic>
+        <p:nvPicPr>
+          <p:cNvPr id="11" name="Picture 10">
+            <a:extLst>
+              <a:ext uri="{FF2B5EF4-FFF2-40B4-BE49-F238E27FC236}">
+                <a16:creationId xmlns:a16="http://schemas.microsoft.com/office/drawing/2014/main" id="{9477ED5E-AF56-4F63-8656-831B51EBAEF2}"/>
+              </a:ext>
+            </a:extLst>
+          </p:cNvPr>
+          <p:cNvPicPr>
+            <a:picLocks noChangeAspect="1"/>
+          </p:cNvPicPr>
+          <p:nvPr/>
+        </p:nvPicPr>
+        <p:blipFill>
+          <a:blip r:embed="rId4" cstate="print">
+            <a:extLst>
+              <a:ext uri="{28A0092B-C50C-407E-A947-70E740481C1C}">
+                <a14:useLocalDpi xmlns:a14="http://schemas.microsoft.com/office/drawing/2010/main" val="0"/>
+              </a:ext>
+            </a:extLst>
+          </a:blip>
+          <a:stretch>
+            <a:fillRect/>
+          </a:stretch>
+        </p:blipFill>
+        <p:spPr>
+          <a:xfrm>
+            <a:off x="0" y="5863771"/>
+            <a:ext cx="1654627" cy="994232"/>
+          </a:xfrm>
+          <a:prstGeom prst="rect">
+            <a:avLst/>
+          </a:prstGeom>
+        </p:spPr>
+      </p:pic>
     </p:spTree>
     <p:extLst>
       <p:ext uri="{BB962C8B-B14F-4D97-AF65-F5344CB8AC3E}">
@@ -5134,6 +5170,42 @@
           </a:p>
         </p:txBody>
       </p:sp>
+      <p:pic>
+        <p:nvPicPr>
+          <p:cNvPr id="11" name="Picture 10">
+            <a:extLst>
+              <a:ext uri="{FF2B5EF4-FFF2-40B4-BE49-F238E27FC236}">
+                <a16:creationId xmlns:a16="http://schemas.microsoft.com/office/drawing/2014/main" id="{59BDD8CA-64BF-4E12-B27F-EE076F38C8B3}"/>
+              </a:ext>
+            </a:extLst>
+          </p:cNvPr>
+          <p:cNvPicPr>
+            <a:picLocks noChangeAspect="1"/>
+          </p:cNvPicPr>
+          <p:nvPr/>
+        </p:nvPicPr>
+        <p:blipFill>
+          <a:blip r:embed="rId6" cstate="print">
+            <a:extLst>
+              <a:ext uri="{28A0092B-C50C-407E-A947-70E740481C1C}">
+                <a14:useLocalDpi xmlns:a14="http://schemas.microsoft.com/office/drawing/2010/main" val="0"/>
+              </a:ext>
+            </a:extLst>
+          </a:blip>
+          <a:stretch>
+            <a:fillRect/>
+          </a:stretch>
+        </p:blipFill>
+        <p:spPr>
+          <a:xfrm>
+            <a:off x="0" y="5863771"/>
+            <a:ext cx="1654627" cy="994232"/>
+          </a:xfrm>
+          <a:prstGeom prst="rect">
+            <a:avLst/>
+          </a:prstGeom>
+        </p:spPr>
+      </p:pic>
     </p:spTree>
     <p:extLst>
       <p:ext uri="{BB962C8B-B14F-4D97-AF65-F5344CB8AC3E}">

--- a/Week4_Flask/Model_deployment_with_Flask.pptx
+++ b/Week4_Flask/Model_deployment_with_Flask.pptx
@@ -218,7 +218,7 @@
           <a:p>
             <a:fld id="{DE7A88FB-A083-409D-91E3-35FF15BE1F17}" type="datetimeFigureOut">
               <a:rPr lang="en-US" smtClean="0"/>
-              <a:t>8/10/2021</a:t>
+              <a:t>8/13/2021</a:t>
             </a:fld>
             <a:endParaRPr lang="en-US"/>
           </a:p>
@@ -396,7 +396,7 @@
           <a:p>
             <a:fld id="{C5077D3F-8773-4961-9F8C-4B2BA47DBFE2}" type="datetimeFigureOut">
               <a:rPr lang="en-US" smtClean="0"/>
-              <a:t>8/10/2021</a:t>
+              <a:t>8/13/2021</a:t>
             </a:fld>
             <a:endParaRPr lang="en-US"/>
           </a:p>
@@ -793,7 +793,7 @@
           <a:p>
             <a:fld id="{F3F9A782-71BB-4C15-984B-6582827990CC}" type="datetime1">
               <a:rPr lang="en-US" smtClean="0"/>
-              <a:t>8/10/2021</a:t>
+              <a:t>8/13/2021</a:t>
             </a:fld>
             <a:endParaRPr lang="en-US"/>
           </a:p>
@@ -961,7 +961,7 @@
           <a:p>
             <a:fld id="{73DA613F-FE70-42F9-9241-43E91732A221}" type="datetime1">
               <a:rPr lang="en-US" smtClean="0"/>
-              <a:t>8/10/2021</a:t>
+              <a:t>8/13/2021</a:t>
             </a:fld>
             <a:endParaRPr lang="en-US"/>
           </a:p>
@@ -1139,7 +1139,7 @@
           <a:p>
             <a:fld id="{C9D43B4E-4115-40A4-87A9-DE2481862263}" type="datetime1">
               <a:rPr lang="en-US" smtClean="0"/>
-              <a:t>8/10/2021</a:t>
+              <a:t>8/13/2021</a:t>
             </a:fld>
             <a:endParaRPr lang="en-US"/>
           </a:p>
@@ -1307,7 +1307,7 @@
           <a:p>
             <a:fld id="{E02DA431-E8D5-4D33-9235-3055D9221BA5}" type="datetime1">
               <a:rPr lang="en-US" smtClean="0"/>
-              <a:t>8/10/2021</a:t>
+              <a:t>8/13/2021</a:t>
             </a:fld>
             <a:endParaRPr lang="en-US"/>
           </a:p>
@@ -1552,7 +1552,7 @@
           <a:p>
             <a:fld id="{9B6A584B-C0B2-4CE8-A424-DDDEEC63C8ED}" type="datetime1">
               <a:rPr lang="en-US" smtClean="0"/>
-              <a:t>8/10/2021</a:t>
+              <a:t>8/13/2021</a:t>
             </a:fld>
             <a:endParaRPr lang="en-US"/>
           </a:p>
@@ -1781,7 +1781,7 @@
           <a:p>
             <a:fld id="{0BAD80E8-99A1-4B9B-B890-E101FF3380ED}" type="datetime1">
               <a:rPr lang="en-US" smtClean="0"/>
-              <a:t>8/10/2021</a:t>
+              <a:t>8/13/2021</a:t>
             </a:fld>
             <a:endParaRPr lang="en-US"/>
           </a:p>
@@ -2145,7 +2145,7 @@
           <a:p>
             <a:fld id="{B1671D2B-8DF3-40BE-8F5F-C5F8585E3ED6}" type="datetime1">
               <a:rPr lang="en-US" smtClean="0"/>
-              <a:t>8/10/2021</a:t>
+              <a:t>8/13/2021</a:t>
             </a:fld>
             <a:endParaRPr lang="en-US"/>
           </a:p>
@@ -2262,7 +2262,7 @@
           <a:p>
             <a:fld id="{0EEFA6C3-18C1-42BD-9E10-DD4327A5016F}" type="datetime1">
               <a:rPr lang="en-US" smtClean="0"/>
-              <a:t>8/10/2021</a:t>
+              <a:t>8/13/2021</a:t>
             </a:fld>
             <a:endParaRPr lang="en-US"/>
           </a:p>
@@ -2357,7 +2357,7 @@
           <a:p>
             <a:fld id="{1D5A2120-25E6-478E-9D2B-29283CD6B846}" type="datetime1">
               <a:rPr lang="en-US" smtClean="0"/>
-              <a:t>8/10/2021</a:t>
+              <a:t>8/13/2021</a:t>
             </a:fld>
             <a:endParaRPr lang="en-US"/>
           </a:p>
@@ -2632,7 +2632,7 @@
           <a:p>
             <a:fld id="{E0DE1145-0EEF-4118-9391-A4F998004B3E}" type="datetime1">
               <a:rPr lang="en-US" smtClean="0"/>
-              <a:t>8/10/2021</a:t>
+              <a:t>8/13/2021</a:t>
             </a:fld>
             <a:endParaRPr lang="en-US"/>
           </a:p>
@@ -2887,7 +2887,7 @@
           <a:p>
             <a:fld id="{12F9BE89-11BD-456F-8713-A375E06CC2BB}" type="datetime1">
               <a:rPr lang="en-US" smtClean="0"/>
-              <a:t>8/10/2021</a:t>
+              <a:t>8/13/2021</a:t>
             </a:fld>
             <a:endParaRPr lang="en-US"/>
           </a:p>
@@ -3098,7 +3098,7 @@
           <a:p>
             <a:fld id="{48DE9D0C-13C9-4F76-96EC-8C1EE37F6825}" type="datetime1">
               <a:rPr lang="en-US" smtClean="0"/>
-              <a:t>8/10/2021</a:t>
+              <a:t>8/13/2021</a:t>
             </a:fld>
             <a:endParaRPr lang="en-US"/>
           </a:p>
@@ -3562,8 +3562,8 @@
         </p:nvSpPr>
         <p:spPr>
           <a:xfrm>
-            <a:off x="1027332" y="2141804"/>
-            <a:ext cx="10237016" cy="3385542"/>
+            <a:off x="1027332" y="1862812"/>
+            <a:ext cx="10237016" cy="4124206"/>
           </a:xfrm>
           <a:prstGeom prst="rect">
             <a:avLst/>
@@ -3662,6 +3662,50 @@
               </a:rPr>
               <a:t>Joseph Antony</a:t>
             </a:r>
+          </a:p>
+          <a:p>
+            <a:endParaRPr lang="en-US" sz="2400" b="1" dirty="0">
+              <a:solidFill>
+                <a:schemeClr val="bg1"/>
+              </a:solidFill>
+              <a:latin typeface="Avenir LT Std 65 Medium" panose="020B0803020203020204" pitchFamily="34" charset="0"/>
+            </a:endParaRPr>
+          </a:p>
+          <a:p>
+            <a:r>
+              <a:rPr lang="en-US" sz="2400" b="1" dirty="0">
+                <a:solidFill>
+                  <a:schemeClr val="bg1"/>
+                </a:solidFill>
+                <a:latin typeface="Avenir LT Std 65 Medium" panose="020B0803020203020204" pitchFamily="34" charset="0"/>
+              </a:rPr>
+              <a:t>Submitted to: </a:t>
+            </a:r>
+            <a:r>
+              <a:rPr lang="en-US" b="1" dirty="0">
+                <a:solidFill>
+                  <a:schemeClr val="bg1"/>
+                </a:solidFill>
+                <a:latin typeface="Avenir LT Std 65 Medium" panose="020B0803020203020204" pitchFamily="34" charset="0"/>
+                <a:hlinkClick r:id="rId3"/>
+              </a:rPr>
+              <a:t>https://github.com/joeanton719/Data-Glacier/tree/main/Week4_Flask</a:t>
+            </a:r>
+            <a:r>
+              <a:rPr lang="en-US" b="1" dirty="0">
+                <a:solidFill>
+                  <a:schemeClr val="bg1"/>
+                </a:solidFill>
+                <a:latin typeface="Avenir LT Std 65 Medium" panose="020B0803020203020204" pitchFamily="34" charset="0"/>
+              </a:rPr>
+              <a:t> </a:t>
+            </a:r>
+            <a:endParaRPr lang="en-US" sz="2400" b="1" dirty="0">
+              <a:solidFill>
+                <a:schemeClr val="bg1"/>
+              </a:solidFill>
+              <a:latin typeface="Avenir LT Std 65 Medium" panose="020B0803020203020204" pitchFamily="34" charset="0"/>
+            </a:endParaRPr>
           </a:p>
         </p:txBody>
       </p:sp>
